--- a/multiplying/20230626/20230626進捗報告.pptx
+++ b/multiplying/20230626/20230626進捗報告.pptx
@@ -17,6 +17,8 @@
     <p:sldId id="265" r:id="rId11"/>
     <p:sldId id="266" r:id="rId12"/>
     <p:sldId id="267" r:id="rId13"/>
+    <p:sldId id="269" r:id="rId14"/>
+    <p:sldId id="268" r:id="rId15"/>
   </p:sldIdLst>
   <p:sldSz cx="12192000" cy="6858000"/>
   <p:notesSz cx="6858000" cy="9144000"/>
@@ -3715,8 +3717,8 @@
           <a:chExt cx="0" cy="0"/>
         </a:xfrm>
       </p:grpSpPr>
-      <mc:AlternateContent xmlns:mc="http://schemas.openxmlformats.org/markup-compatibility/2006">
-        <mc:Choice xmlns:a14="http://schemas.microsoft.com/office/drawing/2010/main" Requires="a14">
+      <mc:AlternateContent xmlns:mc="http://schemas.openxmlformats.org/markup-compatibility/2006" xmlns:a14="http://schemas.microsoft.com/office/drawing/2010/main">
+        <mc:Choice Requires="a14">
           <p:sp>
             <p:nvSpPr>
               <p:cNvPr id="2" name="タイトル 1">
@@ -3756,7 +3758,7 @@
             </p:txBody>
           </p:sp>
         </mc:Choice>
-        <mc:Fallback>
+        <mc:Fallback xmlns="">
           <p:sp>
             <p:nvSpPr>
               <p:cNvPr id="2" name="タイトル 1">
@@ -3796,8 +3798,8 @@
           </p:sp>
         </mc:Fallback>
       </mc:AlternateContent>
-      <mc:AlternateContent xmlns:mc="http://schemas.openxmlformats.org/markup-compatibility/2006">
-        <mc:Choice xmlns:a14="http://schemas.microsoft.com/office/drawing/2010/main" Requires="a14">
+      <mc:AlternateContent xmlns:mc="http://schemas.openxmlformats.org/markup-compatibility/2006" xmlns:a14="http://schemas.microsoft.com/office/drawing/2010/main">
+        <mc:Choice Requires="a14">
           <p:sp>
             <p:nvSpPr>
               <p:cNvPr id="5" name="テキスト ボックス 4">
@@ -3893,7 +3895,7 @@
             </p:txBody>
           </p:sp>
         </mc:Choice>
-        <mc:Fallback>
+        <mc:Fallback xmlns="">
           <p:sp>
             <p:nvSpPr>
               <p:cNvPr id="5" name="テキスト ボックス 4">
@@ -4091,8 +4093,8 @@
           </a:prstGeom>
         </p:spPr>
       </p:pic>
-      <mc:AlternateContent xmlns:mc="http://schemas.openxmlformats.org/markup-compatibility/2006">
-        <mc:Choice xmlns:a14="http://schemas.microsoft.com/office/drawing/2010/main" Requires="a14">
+      <mc:AlternateContent xmlns:mc="http://schemas.openxmlformats.org/markup-compatibility/2006" xmlns:a14="http://schemas.microsoft.com/office/drawing/2010/main">
+        <mc:Choice Requires="a14">
           <p:sp>
             <p:nvSpPr>
               <p:cNvPr id="5" name="テキスト ボックス 4">
@@ -4188,7 +4190,7 @@
             </p:txBody>
           </p:sp>
         </mc:Choice>
-        <mc:Fallback>
+        <mc:Fallback xmlns="">
           <p:sp>
             <p:nvSpPr>
               <p:cNvPr id="5" name="テキスト ボックス 4">
@@ -4327,8 +4329,8 @@
           </a:prstGeom>
         </p:spPr>
       </p:pic>
-      <mc:AlternateContent xmlns:mc="http://schemas.openxmlformats.org/markup-compatibility/2006">
-        <mc:Choice xmlns:a14="http://schemas.microsoft.com/office/drawing/2010/main" Requires="a14">
+      <mc:AlternateContent xmlns:mc="http://schemas.openxmlformats.org/markup-compatibility/2006" xmlns:a14="http://schemas.microsoft.com/office/drawing/2010/main">
+        <mc:Choice Requires="a14">
           <p:sp>
             <p:nvSpPr>
               <p:cNvPr id="4" name="テキスト ボックス 3">
@@ -4584,6 +4586,7 @@
                 <a:endParaRPr lang="en-US" altLang="ja-JP" sz="2800" dirty="0"/>
               </a:p>
               <a:p>
+                <a:pPr/>
                 <a14:m>
                   <m:oMathPara xmlns:m="http://schemas.openxmlformats.org/officeDocument/2006/math">
                     <m:oMathParaPr>
@@ -4691,7 +4694,7 @@
             </p:txBody>
           </p:sp>
         </mc:Choice>
-        <mc:Fallback>
+        <mc:Fallback xmlns="">
           <p:sp>
             <p:nvSpPr>
               <p:cNvPr id="4" name="テキスト ボックス 3">
@@ -4740,6 +4743,677 @@
     <p:extLst>
       <p:ext uri="{BB962C8B-B14F-4D97-AF65-F5344CB8AC3E}">
         <p14:creationId xmlns:p14="http://schemas.microsoft.com/office/powerpoint/2010/main" val="3403367748"/>
+      </p:ext>
+    </p:extLst>
+  </p:cSld>
+  <p:clrMapOvr>
+    <a:masterClrMapping/>
+  </p:clrMapOvr>
+</p:sld>
+</file>
+
+<file path=ppt/slides/slide13.xml><?xml version="1.0" encoding="utf-8"?>
+<p:sld xmlns:a="http://schemas.openxmlformats.org/drawingml/2006/main" xmlns:r="http://schemas.openxmlformats.org/officeDocument/2006/relationships" xmlns:p="http://schemas.openxmlformats.org/presentationml/2006/main">
+  <p:cSld>
+    <p:spTree>
+      <p:nvGrpSpPr>
+        <p:cNvPr id="1" name=""/>
+        <p:cNvGrpSpPr/>
+        <p:nvPr/>
+      </p:nvGrpSpPr>
+      <p:grpSpPr>
+        <a:xfrm>
+          <a:off x="0" y="0"/>
+          <a:ext cx="0" cy="0"/>
+          <a:chOff x="0" y="0"/>
+          <a:chExt cx="0" cy="0"/>
+        </a:xfrm>
+      </p:grpSpPr>
+      <p:sp>
+        <p:nvSpPr>
+          <p:cNvPr id="2" name="タイトル 1">
+            <a:extLst>
+              <a:ext uri="{FF2B5EF4-FFF2-40B4-BE49-F238E27FC236}">
+                <a16:creationId xmlns:a16="http://schemas.microsoft.com/office/drawing/2014/main" id="{2A993168-2EF4-1EA9-E106-E869C383F751}"/>
+              </a:ext>
+            </a:extLst>
+          </p:cNvPr>
+          <p:cNvSpPr>
+            <a:spLocks noGrp="1"/>
+          </p:cNvSpPr>
+          <p:nvPr>
+            <p:ph type="title"/>
+          </p:nvPr>
+        </p:nvSpPr>
+        <p:spPr/>
+        <p:txBody>
+          <a:bodyPr/>
+          <a:lstStyle/>
+          <a:p>
+            <a:r>
+              <a:rPr kumimoji="1" lang="ja-JP" altLang="en-US" dirty="0"/>
+              <a:t>しきい電圧</a:t>
+            </a:r>
+          </a:p>
+        </p:txBody>
+      </p:sp>
+      <p:pic>
+        <p:nvPicPr>
+          <p:cNvPr id="6" name="図 5">
+            <a:extLst>
+              <a:ext uri="{FF2B5EF4-FFF2-40B4-BE49-F238E27FC236}">
+                <a16:creationId xmlns:a16="http://schemas.microsoft.com/office/drawing/2014/main" id="{EF92C4BC-ACB4-3E6D-2985-218DEBAB886C}"/>
+              </a:ext>
+            </a:extLst>
+          </p:cNvPr>
+          <p:cNvPicPr>
+            <a:picLocks noChangeAspect="1"/>
+          </p:cNvPicPr>
+          <p:nvPr/>
+        </p:nvPicPr>
+        <p:blipFill rotWithShape="1">
+          <a:blip r:embed="rId2"/>
+          <a:srcRect r="9842"/>
+          <a:stretch/>
+        </p:blipFill>
+        <p:spPr>
+          <a:xfrm>
+            <a:off x="6096000" y="2199258"/>
+            <a:ext cx="6001305" cy="4659505"/>
+          </a:xfrm>
+          <a:prstGeom prst="rect">
+            <a:avLst/>
+          </a:prstGeom>
+        </p:spPr>
+      </p:pic>
+      <p:pic>
+        <p:nvPicPr>
+          <p:cNvPr id="4" name="図 3">
+            <a:extLst>
+              <a:ext uri="{FF2B5EF4-FFF2-40B4-BE49-F238E27FC236}">
+                <a16:creationId xmlns:a16="http://schemas.microsoft.com/office/drawing/2014/main" id="{7D3E1035-6519-38BA-DCC9-6BAFE23BD892}"/>
+              </a:ext>
+            </a:extLst>
+          </p:cNvPr>
+          <p:cNvPicPr>
+            <a:picLocks noChangeAspect="1"/>
+          </p:cNvPicPr>
+          <p:nvPr/>
+        </p:nvPicPr>
+        <p:blipFill rotWithShape="1">
+          <a:blip r:embed="rId3"/>
+          <a:srcRect r="9827"/>
+          <a:stretch/>
+        </p:blipFill>
+        <p:spPr>
+          <a:xfrm>
+            <a:off x="0" y="2199258"/>
+            <a:ext cx="6001305" cy="4658742"/>
+          </a:xfrm>
+          <a:prstGeom prst="rect">
+            <a:avLst/>
+          </a:prstGeom>
+        </p:spPr>
+      </p:pic>
+      <mc:AlternateContent xmlns:mc="http://schemas.openxmlformats.org/markup-compatibility/2006">
+        <mc:Choice xmlns:a14="http://schemas.microsoft.com/office/drawing/2010/main" Requires="a14">
+          <p:sp>
+            <p:nvSpPr>
+              <p:cNvPr id="7" name="テキスト ボックス 6">
+                <a:extLst>
+                  <a:ext uri="{FF2B5EF4-FFF2-40B4-BE49-F238E27FC236}">
+                    <a16:creationId xmlns:a16="http://schemas.microsoft.com/office/drawing/2014/main" id="{5599F1BF-6A1A-77F4-85CA-5B5F12290C4C}"/>
+                  </a:ext>
+                </a:extLst>
+              </p:cNvPr>
+              <p:cNvSpPr txBox="1"/>
+              <p:nvPr/>
+            </p:nvSpPr>
+            <p:spPr>
+              <a:xfrm>
+                <a:off x="5274076" y="802921"/>
+                <a:ext cx="6823229" cy="1384995"/>
+              </a:xfrm>
+              <a:prstGeom prst="rect">
+                <a:avLst/>
+              </a:prstGeom>
+              <a:noFill/>
+            </p:spPr>
+            <p:txBody>
+              <a:bodyPr wrap="square" rtlCol="0">
+                <a:spAutoFit/>
+              </a:bodyPr>
+              <a:lstStyle/>
+              <a:p>
+                <a:pPr algn="l"/>
+                <a:r>
+                  <a:rPr kumimoji="1" lang="ja-JP" altLang="en-US" sz="2800" dirty="0"/>
+                  <a:t>チャネル長 </a:t>
+                </a:r>
+                <a:r>
+                  <a:rPr kumimoji="1" lang="en-US" altLang="ja-JP" sz="2800" dirty="0"/>
+                  <a:t>: </a:t>
+                </a:r>
+                <a14:m>
+                  <m:oMath xmlns:m="http://schemas.openxmlformats.org/officeDocument/2006/math">
+                    <m:r>
+                      <a:rPr kumimoji="1" lang="en-US" altLang="ja-JP" sz="2800" b="0" i="1" smtClean="0">
+                        <a:latin typeface="Cambria Math" panose="02040503050406030204" pitchFamily="18" charset="0"/>
+                      </a:rPr>
+                      <m:t>0.54 </m:t>
+                    </m:r>
+                    <m:r>
+                      <m:rPr>
+                        <m:sty m:val="p"/>
+                      </m:rPr>
+                      <a:rPr kumimoji="1" lang="en-US" altLang="ja-JP" sz="2800" b="0" i="0" smtClean="0">
+                        <a:latin typeface="Cambria Math" panose="02040503050406030204" pitchFamily="18" charset="0"/>
+                      </a:rPr>
+                      <m:t>μm</m:t>
+                    </m:r>
+                  </m:oMath>
+                </a14:m>
+                <a:endParaRPr kumimoji="1" lang="en-US" altLang="ja-JP" sz="2800" b="0" dirty="0"/>
+              </a:p>
+              <a:p>
+                <a:pPr algn="l"/>
+                <a:r>
+                  <a:rPr lang="ja-JP" altLang="en-US" sz="2800" dirty="0"/>
+                  <a:t>チャネル幅 </a:t>
+                </a:r>
+                <a:r>
+                  <a:rPr lang="en-US" altLang="ja-JP" sz="2800" dirty="0"/>
+                  <a:t>: </a:t>
+                </a:r>
+                <a14:m>
+                  <m:oMath xmlns:m="http://schemas.openxmlformats.org/officeDocument/2006/math">
+                    <m:r>
+                      <a:rPr lang="en-US" altLang="ja-JP" sz="2800" b="0" i="1" smtClean="0">
+                        <a:latin typeface="Cambria Math" panose="02040503050406030204" pitchFamily="18" charset="0"/>
+                      </a:rPr>
+                      <m:t>12 </m:t>
+                    </m:r>
+                    <m:r>
+                      <m:rPr>
+                        <m:sty m:val="p"/>
+                      </m:rPr>
+                      <a:rPr lang="en-US" altLang="ja-JP" sz="2800" b="0" i="0" smtClean="0">
+                        <a:latin typeface="Cambria Math" panose="02040503050406030204" pitchFamily="18" charset="0"/>
+                      </a:rPr>
+                      <m:t>μm</m:t>
+                    </m:r>
+                    <m:r>
+                      <a:rPr lang="en-US" altLang="ja-JP" sz="2800" b="0" i="1" smtClean="0">
+                        <a:latin typeface="Cambria Math" panose="02040503050406030204" pitchFamily="18" charset="0"/>
+                      </a:rPr>
+                      <m:t> ~ 50 </m:t>
+                    </m:r>
+                    <m:r>
+                      <m:rPr>
+                        <m:sty m:val="p"/>
+                      </m:rPr>
+                      <a:rPr lang="en-US" altLang="ja-JP" sz="2800" b="0" i="0" smtClean="0">
+                        <a:latin typeface="Cambria Math" panose="02040503050406030204" pitchFamily="18" charset="0"/>
+                      </a:rPr>
+                      <m:t>μm</m:t>
+                    </m:r>
+                    <m:r>
+                      <a:rPr lang="en-US" altLang="ja-JP" sz="2800" b="0" i="1" smtClean="0">
+                        <a:latin typeface="Cambria Math" panose="02040503050406030204" pitchFamily="18" charset="0"/>
+                      </a:rPr>
+                      <m:t> </m:t>
+                    </m:r>
+                    <m:d>
+                      <m:dPr>
+                        <m:ctrlPr>
+                          <a:rPr lang="en-US" altLang="ja-JP" sz="2800" b="0" i="1" smtClean="0">
+                            <a:latin typeface="Cambria Math" panose="02040503050406030204" pitchFamily="18" charset="0"/>
+                          </a:rPr>
+                        </m:ctrlPr>
+                      </m:dPr>
+                      <m:e>
+                        <m:r>
+                          <m:rPr>
+                            <m:sty m:val="p"/>
+                          </m:rPr>
+                          <a:rPr lang="en-US" altLang="ja-JP" sz="2800" b="0" i="0" smtClean="0">
+                            <a:latin typeface="Cambria Math" panose="02040503050406030204" pitchFamily="18" charset="0"/>
+                          </a:rPr>
+                          <m:t>step</m:t>
+                        </m:r>
+                        <m:r>
+                          <a:rPr lang="en-US" altLang="ja-JP" sz="2800" b="0" i="0" smtClean="0">
+                            <a:latin typeface="Cambria Math" panose="02040503050406030204" pitchFamily="18" charset="0"/>
+                          </a:rPr>
+                          <m:t> :2 </m:t>
+                        </m:r>
+                        <m:r>
+                          <m:rPr>
+                            <m:sty m:val="p"/>
+                          </m:rPr>
+                          <a:rPr lang="en-US" altLang="ja-JP" sz="2800" b="0" i="0" smtClean="0">
+                            <a:latin typeface="Cambria Math" panose="02040503050406030204" pitchFamily="18" charset="0"/>
+                          </a:rPr>
+                          <m:t>μm</m:t>
+                        </m:r>
+                      </m:e>
+                    </m:d>
+                  </m:oMath>
+                </a14:m>
+                <a:endParaRPr lang="en-US" altLang="ja-JP" sz="2800" b="0" dirty="0"/>
+              </a:p>
+              <a:p>
+                <a:pPr algn="l"/>
+                <a:r>
+                  <a:rPr kumimoji="1" lang="ja-JP" altLang="en-US" sz="2800" dirty="0"/>
+                  <a:t>並列数 </a:t>
+                </a:r>
+                <a:r>
+                  <a:rPr kumimoji="1" lang="en-US" altLang="ja-JP" sz="2800" dirty="0"/>
+                  <a:t>: 1</a:t>
+                </a:r>
+                <a:endParaRPr kumimoji="1" lang="ja-JP" altLang="en-US" sz="2800" dirty="0"/>
+              </a:p>
+            </p:txBody>
+          </p:sp>
+        </mc:Choice>
+        <mc:Fallback>
+          <p:sp>
+            <p:nvSpPr>
+              <p:cNvPr id="7" name="テキスト ボックス 6">
+                <a:extLst>
+                  <a:ext uri="{FF2B5EF4-FFF2-40B4-BE49-F238E27FC236}">
+                    <a16:creationId xmlns:a16="http://schemas.microsoft.com/office/drawing/2014/main" id="{5599F1BF-6A1A-77F4-85CA-5B5F12290C4C}"/>
+                  </a:ext>
+                </a:extLst>
+              </p:cNvPr>
+              <p:cNvSpPr txBox="1">
+                <a:spLocks noRot="1" noChangeAspect="1" noMove="1" noResize="1" noEditPoints="1" noAdjustHandles="1" noChangeArrowheads="1" noChangeShapeType="1" noTextEdit="1"/>
+              </p:cNvSpPr>
+              <p:nvPr/>
+            </p:nvSpPr>
+            <p:spPr>
+              <a:xfrm>
+                <a:off x="5274076" y="802921"/>
+                <a:ext cx="6823229" cy="1384995"/>
+              </a:xfrm>
+              <a:prstGeom prst="rect">
+                <a:avLst/>
+              </a:prstGeom>
+              <a:blipFill>
+                <a:blip r:embed="rId4"/>
+                <a:stretch>
+                  <a:fillRect l="-1787" t="-4405" b="-11894"/>
+                </a:stretch>
+              </a:blipFill>
+            </p:spPr>
+            <p:txBody>
+              <a:bodyPr/>
+              <a:lstStyle/>
+              <a:p>
+                <a:r>
+                  <a:rPr lang="ja-JP" altLang="en-US">
+                    <a:noFill/>
+                  </a:rPr>
+                  <a:t> </a:t>
+                </a:r>
+              </a:p>
+            </p:txBody>
+          </p:sp>
+        </mc:Fallback>
+      </mc:AlternateContent>
+    </p:spTree>
+    <p:extLst>
+      <p:ext uri="{BB962C8B-B14F-4D97-AF65-F5344CB8AC3E}">
+        <p14:creationId xmlns:p14="http://schemas.microsoft.com/office/powerpoint/2010/main" val="2696497446"/>
+      </p:ext>
+    </p:extLst>
+  </p:cSld>
+  <p:clrMapOvr>
+    <a:masterClrMapping/>
+  </p:clrMapOvr>
+</p:sld>
+</file>
+
+<file path=ppt/slides/slide14.xml><?xml version="1.0" encoding="utf-8"?>
+<p:sld xmlns:a="http://schemas.openxmlformats.org/drawingml/2006/main" xmlns:r="http://schemas.openxmlformats.org/officeDocument/2006/relationships" xmlns:p="http://schemas.openxmlformats.org/presentationml/2006/main">
+  <p:cSld>
+    <p:spTree>
+      <p:nvGrpSpPr>
+        <p:cNvPr id="1" name=""/>
+        <p:cNvGrpSpPr/>
+        <p:nvPr/>
+      </p:nvGrpSpPr>
+      <p:grpSpPr>
+        <a:xfrm>
+          <a:off x="0" y="0"/>
+          <a:ext cx="0" cy="0"/>
+          <a:chOff x="0" y="0"/>
+          <a:chExt cx="0" cy="0"/>
+        </a:xfrm>
+      </p:grpSpPr>
+      <p:sp>
+        <p:nvSpPr>
+          <p:cNvPr id="2" name="タイトル 1">
+            <a:extLst>
+              <a:ext uri="{FF2B5EF4-FFF2-40B4-BE49-F238E27FC236}">
+                <a16:creationId xmlns:a16="http://schemas.microsoft.com/office/drawing/2014/main" id="{664F8A6F-DBF7-7A34-5D4C-9810D18CB51D}"/>
+              </a:ext>
+            </a:extLst>
+          </p:cNvPr>
+          <p:cNvSpPr>
+            <a:spLocks noGrp="1"/>
+          </p:cNvSpPr>
+          <p:nvPr>
+            <p:ph type="title"/>
+          </p:nvPr>
+        </p:nvSpPr>
+        <p:spPr/>
+        <p:txBody>
+          <a:bodyPr/>
+          <a:lstStyle/>
+          <a:p>
+            <a:r>
+              <a:rPr kumimoji="1" lang="ja-JP" altLang="en-US" dirty="0"/>
+              <a:t>しきい電圧</a:t>
+            </a:r>
+          </a:p>
+        </p:txBody>
+      </p:sp>
+      <p:pic>
+        <p:nvPicPr>
+          <p:cNvPr id="4" name="図 3">
+            <a:extLst>
+              <a:ext uri="{FF2B5EF4-FFF2-40B4-BE49-F238E27FC236}">
+                <a16:creationId xmlns:a16="http://schemas.microsoft.com/office/drawing/2014/main" id="{523F5A3F-A57A-72BC-31DA-CC1642BC5943}"/>
+              </a:ext>
+            </a:extLst>
+          </p:cNvPr>
+          <p:cNvPicPr>
+            <a:picLocks noChangeAspect="1"/>
+          </p:cNvPicPr>
+          <p:nvPr/>
+        </p:nvPicPr>
+        <p:blipFill>
+          <a:blip r:embed="rId2"/>
+          <a:stretch>
+            <a:fillRect/>
+          </a:stretch>
+        </p:blipFill>
+        <p:spPr>
+          <a:xfrm>
+            <a:off x="1001235" y="1690688"/>
+            <a:ext cx="3105150" cy="5038725"/>
+          </a:xfrm>
+          <a:prstGeom prst="rect">
+            <a:avLst/>
+          </a:prstGeom>
+        </p:spPr>
+      </p:pic>
+      <mc:AlternateContent xmlns:mc="http://schemas.openxmlformats.org/markup-compatibility/2006">
+        <mc:Choice xmlns:a14="http://schemas.microsoft.com/office/drawing/2010/main" Requires="a14">
+          <p:sp>
+            <p:nvSpPr>
+              <p:cNvPr id="5" name="テキスト ボックス 4">
+                <a:extLst>
+                  <a:ext uri="{FF2B5EF4-FFF2-40B4-BE49-F238E27FC236}">
+                    <a16:creationId xmlns:a16="http://schemas.microsoft.com/office/drawing/2014/main" id="{D9E56DEE-31E5-22E8-5ADA-E2E1DCCEF7E7}"/>
+                  </a:ext>
+                </a:extLst>
+              </p:cNvPr>
+              <p:cNvSpPr txBox="1"/>
+              <p:nvPr/>
+            </p:nvSpPr>
+            <p:spPr>
+              <a:xfrm>
+                <a:off x="5118439" y="2759204"/>
+                <a:ext cx="6431410" cy="1881734"/>
+              </a:xfrm>
+              <a:prstGeom prst="rect">
+                <a:avLst/>
+              </a:prstGeom>
+              <a:noFill/>
+            </p:spPr>
+            <p:txBody>
+              <a:bodyPr wrap="square" rtlCol="0">
+                <a:spAutoFit/>
+              </a:bodyPr>
+              <a:lstStyle/>
+              <a:p>
+                <a:pPr algn="l"/>
+                <a14:m>
+                  <m:oMath xmlns:m="http://schemas.openxmlformats.org/officeDocument/2006/math">
+                    <m:rad>
+                      <m:radPr>
+                        <m:degHide m:val="on"/>
+                        <m:ctrlPr>
+                          <a:rPr kumimoji="1" lang="en-US" altLang="ja-JP" sz="2800" b="0" i="1" smtClean="0">
+                            <a:latin typeface="Cambria Math" panose="02040503050406030204" pitchFamily="18" charset="0"/>
+                          </a:rPr>
+                        </m:ctrlPr>
+                      </m:radPr>
+                      <m:deg/>
+                      <m:e>
+                        <m:r>
+                          <a:rPr kumimoji="1" lang="en-US" altLang="ja-JP" sz="2800" b="0" i="1" smtClean="0">
+                            <a:latin typeface="Cambria Math" panose="02040503050406030204" pitchFamily="18" charset="0"/>
+                          </a:rPr>
+                          <m:t>𝐼</m:t>
+                        </m:r>
+                      </m:e>
+                    </m:rad>
+                    <m:r>
+                      <a:rPr kumimoji="1" lang="en-US" altLang="ja-JP" sz="2800" b="0" i="1" smtClean="0">
+                        <a:latin typeface="Cambria Math" panose="02040503050406030204" pitchFamily="18" charset="0"/>
+                      </a:rPr>
+                      <m:t>−</m:t>
+                    </m:r>
+                    <m:r>
+                      <a:rPr kumimoji="1" lang="en-US" altLang="ja-JP" sz="2800" b="0" i="1" smtClean="0">
+                        <a:latin typeface="Cambria Math" panose="02040503050406030204" pitchFamily="18" charset="0"/>
+                      </a:rPr>
+                      <m:t>𝑊</m:t>
+                    </m:r>
+                  </m:oMath>
+                </a14:m>
+                <a:r>
+                  <a:rPr kumimoji="1" lang="ja-JP" altLang="en-US" sz="2800" dirty="0"/>
+                  <a:t>グラフを</a:t>
+                </a:r>
+                <a14:m>
+                  <m:oMath xmlns:m="http://schemas.openxmlformats.org/officeDocument/2006/math">
+                    <m:r>
+                      <a:rPr kumimoji="1" lang="en-US" altLang="ja-JP" sz="2800" b="0" i="1" smtClean="0">
+                        <a:latin typeface="Cambria Math" panose="02040503050406030204" pitchFamily="18" charset="0"/>
+                      </a:rPr>
+                      <m:t>𝑓</m:t>
+                    </m:r>
+                    <m:d>
+                      <m:dPr>
+                        <m:ctrlPr>
+                          <a:rPr kumimoji="1" lang="en-US" altLang="ja-JP" sz="2800" b="0" i="1" smtClean="0">
+                            <a:latin typeface="Cambria Math" panose="02040503050406030204" pitchFamily="18" charset="0"/>
+                          </a:rPr>
+                        </m:ctrlPr>
+                      </m:dPr>
+                      <m:e>
+                        <m:sSub>
+                          <m:sSubPr>
+                            <m:ctrlPr>
+                              <a:rPr kumimoji="1" lang="en-US" altLang="ja-JP" sz="2800" b="0" i="1" smtClean="0">
+                                <a:latin typeface="Cambria Math" panose="02040503050406030204" pitchFamily="18" charset="0"/>
+                              </a:rPr>
+                            </m:ctrlPr>
+                          </m:sSubPr>
+                          <m:e>
+                            <m:r>
+                              <a:rPr kumimoji="1" lang="en-US" altLang="ja-JP" sz="2800" b="0" i="1" smtClean="0">
+                                <a:latin typeface="Cambria Math" panose="02040503050406030204" pitchFamily="18" charset="0"/>
+                              </a:rPr>
+                              <m:t>𝑉</m:t>
+                            </m:r>
+                          </m:e>
+                          <m:sub>
+                            <m:r>
+                              <a:rPr kumimoji="1" lang="en-US" altLang="ja-JP" sz="2800" b="0" i="1" smtClean="0">
+                                <a:latin typeface="Cambria Math" panose="02040503050406030204" pitchFamily="18" charset="0"/>
+                              </a:rPr>
+                              <m:t>𝑔𝑠</m:t>
+                            </m:r>
+                          </m:sub>
+                        </m:sSub>
+                      </m:e>
+                    </m:d>
+                    <m:r>
+                      <a:rPr kumimoji="1" lang="en-US" altLang="ja-JP" sz="2800" b="0" i="1" smtClean="0">
+                        <a:latin typeface="Cambria Math" panose="02040503050406030204" pitchFamily="18" charset="0"/>
+                      </a:rPr>
+                      <m:t>=</m:t>
+                    </m:r>
+                    <m:r>
+                      <a:rPr kumimoji="1" lang="en-US" altLang="ja-JP" sz="2800" b="0" i="1" smtClean="0">
+                        <a:latin typeface="Cambria Math" panose="02040503050406030204" pitchFamily="18" charset="0"/>
+                      </a:rPr>
+                      <m:t>𝐴</m:t>
+                    </m:r>
+                    <m:r>
+                      <a:rPr kumimoji="1" lang="en-US" altLang="ja-JP" sz="2800" b="0" i="1" smtClean="0">
+                        <a:latin typeface="Cambria Math" panose="02040503050406030204" pitchFamily="18" charset="0"/>
+                      </a:rPr>
+                      <m:t>⋅</m:t>
+                    </m:r>
+                    <m:sSub>
+                      <m:sSubPr>
+                        <m:ctrlPr>
+                          <a:rPr kumimoji="1" lang="en-US" altLang="ja-JP" sz="2800" b="0" i="1" smtClean="0">
+                            <a:latin typeface="Cambria Math" panose="02040503050406030204" pitchFamily="18" charset="0"/>
+                          </a:rPr>
+                        </m:ctrlPr>
+                      </m:sSubPr>
+                      <m:e>
+                        <m:r>
+                          <a:rPr kumimoji="1" lang="en-US" altLang="ja-JP" sz="2800" b="0" i="1" smtClean="0">
+                            <a:latin typeface="Cambria Math" panose="02040503050406030204" pitchFamily="18" charset="0"/>
+                          </a:rPr>
+                          <m:t>𝑉</m:t>
+                        </m:r>
+                      </m:e>
+                      <m:sub>
+                        <m:r>
+                          <a:rPr kumimoji="1" lang="en-US" altLang="ja-JP" sz="2800" b="0" i="1" smtClean="0">
+                            <a:latin typeface="Cambria Math" panose="02040503050406030204" pitchFamily="18" charset="0"/>
+                          </a:rPr>
+                          <m:t>𝑔𝑠</m:t>
+                        </m:r>
+                      </m:sub>
+                    </m:sSub>
+                    <m:r>
+                      <a:rPr kumimoji="1" lang="en-US" altLang="ja-JP" sz="2800" b="0" i="1" smtClean="0">
+                        <a:latin typeface="Cambria Math" panose="02040503050406030204" pitchFamily="18" charset="0"/>
+                      </a:rPr>
+                      <m:t>+</m:t>
+                    </m:r>
+                    <m:r>
+                      <a:rPr kumimoji="1" lang="en-US" altLang="ja-JP" sz="2800" b="0" i="1" smtClean="0">
+                        <a:latin typeface="Cambria Math" panose="02040503050406030204" pitchFamily="18" charset="0"/>
+                      </a:rPr>
+                      <m:t>𝐵</m:t>
+                    </m:r>
+                  </m:oMath>
+                </a14:m>
+                <a:r>
+                  <a:rPr lang="ja-JP" altLang="en-US" sz="2800" b="0" dirty="0"/>
+                  <a:t>の形に線形近似したとき、左の表のような値になる。</a:t>
+                </a:r>
+                <a:endParaRPr lang="en-US" altLang="ja-JP" sz="2800" b="0" dirty="0"/>
+              </a:p>
+              <a:p>
+                <a:pPr algn="l"/>
+                <a:r>
+                  <a:rPr kumimoji="1" lang="en-US" altLang="ja-JP" sz="2800" dirty="0"/>
+                  <a:t>-B/A</a:t>
+                </a:r>
+                <a:r>
+                  <a:rPr kumimoji="1" lang="ja-JP" altLang="en-US" sz="2800" dirty="0"/>
+                  <a:t>の平均値はおよそ</a:t>
+                </a:r>
+                <a14:m>
+                  <m:oMath xmlns:m="http://schemas.openxmlformats.org/officeDocument/2006/math">
+                    <m:r>
+                      <a:rPr kumimoji="1" lang="en-US" altLang="ja-JP" sz="2800" b="0" i="1" smtClean="0">
+                        <a:latin typeface="Cambria Math" panose="02040503050406030204" pitchFamily="18" charset="0"/>
+                      </a:rPr>
+                      <m:t>0.404 </m:t>
+                    </m:r>
+                    <m:r>
+                      <m:rPr>
+                        <m:sty m:val="p"/>
+                      </m:rPr>
+                      <a:rPr kumimoji="1" lang="en-US" altLang="ja-JP" sz="2800" b="0" i="0" smtClean="0">
+                        <a:latin typeface="Cambria Math" panose="02040503050406030204" pitchFamily="18" charset="0"/>
+                      </a:rPr>
+                      <m:t>V</m:t>
+                    </m:r>
+                  </m:oMath>
+                </a14:m>
+                <a:r>
+                  <a:rPr kumimoji="1" lang="ja-JP" altLang="en-US" sz="2800" b="0" dirty="0"/>
+                  <a:t>であった。</a:t>
+                </a:r>
+                <a:endParaRPr kumimoji="1" lang="en-US" altLang="ja-JP" sz="2800" b="0" dirty="0"/>
+              </a:p>
+            </p:txBody>
+          </p:sp>
+        </mc:Choice>
+        <mc:Fallback>
+          <p:sp>
+            <p:nvSpPr>
+              <p:cNvPr id="5" name="テキスト ボックス 4">
+                <a:extLst>
+                  <a:ext uri="{FF2B5EF4-FFF2-40B4-BE49-F238E27FC236}">
+                    <a16:creationId xmlns:a16="http://schemas.microsoft.com/office/drawing/2014/main" id="{D9E56DEE-31E5-22E8-5ADA-E2E1DCCEF7E7}"/>
+                  </a:ext>
+                </a:extLst>
+              </p:cNvPr>
+              <p:cNvSpPr txBox="1">
+                <a:spLocks noRot="1" noChangeAspect="1" noMove="1" noResize="1" noEditPoints="1" noAdjustHandles="1" noChangeArrowheads="1" noChangeShapeType="1" noTextEdit="1"/>
+              </p:cNvSpPr>
+              <p:nvPr/>
+            </p:nvSpPr>
+            <p:spPr>
+              <a:xfrm>
+                <a:off x="5118439" y="2759204"/>
+                <a:ext cx="6431410" cy="1881734"/>
+              </a:xfrm>
+              <a:prstGeom prst="rect">
+                <a:avLst/>
+              </a:prstGeom>
+              <a:blipFill>
+                <a:blip r:embed="rId3"/>
+                <a:stretch>
+                  <a:fillRect l="-1991" t="-974" r="-7488" b="-8766"/>
+                </a:stretch>
+              </a:blipFill>
+            </p:spPr>
+            <p:txBody>
+              <a:bodyPr/>
+              <a:lstStyle/>
+              <a:p>
+                <a:r>
+                  <a:rPr lang="ja-JP" altLang="en-US">
+                    <a:noFill/>
+                  </a:rPr>
+                  <a:t> </a:t>
+                </a:r>
+              </a:p>
+            </p:txBody>
+          </p:sp>
+        </mc:Fallback>
+      </mc:AlternateContent>
+    </p:spTree>
+    <p:extLst>
+      <p:ext uri="{BB962C8B-B14F-4D97-AF65-F5344CB8AC3E}">
+        <p14:creationId xmlns:p14="http://schemas.microsoft.com/office/powerpoint/2010/main" val="536000508"/>
       </p:ext>
     </p:extLst>
   </p:cSld>
@@ -5376,8 +6050,8 @@
           </a:p>
         </p:txBody>
       </p:sp>
-      <mc:AlternateContent xmlns:mc="http://schemas.openxmlformats.org/markup-compatibility/2006">
-        <mc:Choice xmlns:a14="http://schemas.microsoft.com/office/drawing/2010/main" Requires="a14">
+      <mc:AlternateContent xmlns:mc="http://schemas.openxmlformats.org/markup-compatibility/2006" xmlns:a14="http://schemas.microsoft.com/office/drawing/2010/main">
+        <mc:Choice Requires="a14">
           <p:sp>
             <p:nvSpPr>
               <p:cNvPr id="3" name="テキスト ボックス 2">
@@ -5465,7 +6139,7 @@
             </p:txBody>
           </p:sp>
         </mc:Choice>
-        <mc:Fallback>
+        <mc:Fallback xmlns="">
           <p:sp>
             <p:nvSpPr>
               <p:cNvPr id="3" name="テキスト ボックス 2">
@@ -8427,8 +9101,8 @@
           </a:prstGeom>
         </p:spPr>
       </p:pic>
-      <mc:AlternateContent xmlns:mc="http://schemas.openxmlformats.org/markup-compatibility/2006">
-        <mc:Choice xmlns:a14="http://schemas.microsoft.com/office/drawing/2010/main" Requires="a14">
+      <mc:AlternateContent xmlns:mc="http://schemas.openxmlformats.org/markup-compatibility/2006" xmlns:a14="http://schemas.microsoft.com/office/drawing/2010/main">
+        <mc:Choice Requires="a14">
           <p:sp>
             <p:nvSpPr>
               <p:cNvPr id="7" name="テキスト ボックス 6">
@@ -8629,7 +9303,7 @@
             </p:txBody>
           </p:sp>
         </mc:Choice>
-        <mc:Fallback>
+        <mc:Fallback xmlns="">
           <p:sp>
             <p:nvSpPr>
               <p:cNvPr id="7" name="テキスト ボックス 6">
@@ -8851,8 +9525,8 @@
           </a:p>
         </p:txBody>
       </p:sp>
-      <mc:AlternateContent xmlns:mc="http://schemas.openxmlformats.org/markup-compatibility/2006">
-        <mc:Choice xmlns:a14="http://schemas.microsoft.com/office/drawing/2010/main" Requires="a14">
+      <mc:AlternateContent xmlns:mc="http://schemas.openxmlformats.org/markup-compatibility/2006" xmlns:a14="http://schemas.microsoft.com/office/drawing/2010/main">
+        <mc:Choice Requires="a14">
           <p:sp>
             <p:nvSpPr>
               <p:cNvPr id="5" name="テキスト ボックス 4">
@@ -9043,7 +9717,7 @@
             </p:txBody>
           </p:sp>
         </mc:Choice>
-        <mc:Fallback>
+        <mc:Fallback xmlns="">
           <p:sp>
             <p:nvSpPr>
               <p:cNvPr id="5" name="テキスト ボックス 4">
@@ -9118,8 +9792,8 @@
           <a:chExt cx="0" cy="0"/>
         </a:xfrm>
       </p:grpSpPr>
-      <mc:AlternateContent xmlns:mc="http://schemas.openxmlformats.org/markup-compatibility/2006">
-        <mc:Choice xmlns:a14="http://schemas.microsoft.com/office/drawing/2010/main" Requires="a14">
+      <mc:AlternateContent xmlns:mc="http://schemas.openxmlformats.org/markup-compatibility/2006" xmlns:a14="http://schemas.microsoft.com/office/drawing/2010/main">
+        <mc:Choice Requires="a14">
           <p:sp>
             <p:nvSpPr>
               <p:cNvPr id="2" name="タイトル 1">
@@ -9159,7 +9833,7 @@
             </p:txBody>
           </p:sp>
         </mc:Choice>
-        <mc:Fallback>
+        <mc:Fallback xmlns="">
           <p:sp>
             <p:nvSpPr>
               <p:cNvPr id="2" name="タイトル 1">
@@ -9234,8 +9908,8 @@
           </a:prstGeom>
         </p:spPr>
       </p:pic>
-      <mc:AlternateContent xmlns:mc="http://schemas.openxmlformats.org/markup-compatibility/2006">
-        <mc:Choice xmlns:a14="http://schemas.microsoft.com/office/drawing/2010/main" Requires="a14">
+      <mc:AlternateContent xmlns:mc="http://schemas.openxmlformats.org/markup-compatibility/2006" xmlns:a14="http://schemas.microsoft.com/office/drawing/2010/main">
+        <mc:Choice Requires="a14">
           <p:sp>
             <p:nvSpPr>
               <p:cNvPr id="5" name="テキスト ボックス 4">
@@ -9570,7 +10244,7 @@
             </p:txBody>
           </p:sp>
         </mc:Choice>
-        <mc:Fallback>
+        <mc:Fallback xmlns="">
           <p:sp>
             <p:nvSpPr>
               <p:cNvPr id="5" name="テキスト ボックス 4">
@@ -9674,8 +10348,8 @@
           </a:prstGeom>
         </p:spPr>
       </p:pic>
-      <mc:AlternateContent xmlns:mc="http://schemas.openxmlformats.org/markup-compatibility/2006">
-        <mc:Choice xmlns:a14="http://schemas.microsoft.com/office/drawing/2010/main" Requires="a14">
+      <mc:AlternateContent xmlns:mc="http://schemas.openxmlformats.org/markup-compatibility/2006" xmlns:a14="http://schemas.microsoft.com/office/drawing/2010/main">
+        <mc:Choice Requires="a14">
           <p:sp>
             <p:nvSpPr>
               <p:cNvPr id="2" name="タイトル 1">
@@ -9715,7 +10389,7 @@
             </p:txBody>
           </p:sp>
         </mc:Choice>
-        <mc:Fallback>
+        <mc:Fallback xmlns="">
           <p:sp>
             <p:nvSpPr>
               <p:cNvPr id="2" name="タイトル 1">
@@ -9755,8 +10429,8 @@
           </p:sp>
         </mc:Fallback>
       </mc:AlternateContent>
-      <mc:AlternateContent xmlns:mc="http://schemas.openxmlformats.org/markup-compatibility/2006">
-        <mc:Choice xmlns:a14="http://schemas.microsoft.com/office/drawing/2010/main" Requires="a14">
+      <mc:AlternateContent xmlns:mc="http://schemas.openxmlformats.org/markup-compatibility/2006" xmlns:a14="http://schemas.microsoft.com/office/drawing/2010/main">
+        <mc:Choice Requires="a14">
           <p:sp>
             <p:nvSpPr>
               <p:cNvPr id="9" name="テキスト ボックス 8">
@@ -10230,6 +10904,7 @@
                 <a:endParaRPr lang="en-US" altLang="ja-JP" sz="2800" dirty="0"/>
               </a:p>
               <a:p>
+                <a:pPr/>
                 <a14:m>
                   <m:oMathPara xmlns:m="http://schemas.openxmlformats.org/officeDocument/2006/math">
                     <m:oMathParaPr>
@@ -10373,7 +11048,7 @@
             </p:txBody>
           </p:sp>
         </mc:Choice>
-        <mc:Fallback>
+        <mc:Fallback xmlns="">
           <p:sp>
             <p:nvSpPr>
               <p:cNvPr id="9" name="テキスト ボックス 8">
